--- a/Documents/PresentationKK.pptx
+++ b/Documents/PresentationKK.pptx
@@ -7570,6 +7570,36 @@
           </a:p>
         </p:txBody>
       </p:sp>
+      <p:pic>
+        <p:nvPicPr>
+          <p:cNvPr id="2" name="Рисунок 1"/>
+          <p:cNvPicPr>
+            <a:picLocks noChangeAspect="1"/>
+          </p:cNvPicPr>
+          <p:nvPr/>
+        </p:nvPicPr>
+        <p:blipFill>
+          <a:blip r:embed="rId3">
+            <a:extLst>
+              <a:ext uri="{28A0092B-C50C-407E-A947-70E740481C1C}">
+                <a14:useLocalDpi xmlns:a14="http://schemas.microsoft.com/office/drawing/2010/main" val="0"/>
+              </a:ext>
+            </a:extLst>
+          </a:blip>
+          <a:stretch>
+            <a:fillRect/>
+          </a:stretch>
+        </p:blipFill>
+        <p:spPr>
+          <a:xfrm>
+            <a:off x="833809" y="694323"/>
+            <a:ext cx="7358595" cy="4139210"/>
+          </a:xfrm>
+          <a:prstGeom prst="rect">
+            <a:avLst/>
+          </a:prstGeom>
+        </p:spPr>
+      </p:pic>
     </p:spTree>
     <p:extLst>
       <p:ext uri="{BB962C8B-B14F-4D97-AF65-F5344CB8AC3E}">

--- a/Documents/PresentationKK.pptx
+++ b/Documents/PresentationKK.pptx
@@ -5,7 +5,7 @@
     <p:sldMasterId id="2147483659" r:id="rId1"/>
   </p:sldMasterIdLst>
   <p:notesMasterIdLst>
-    <p:notesMasterId r:id="rId15"/>
+    <p:notesMasterId r:id="rId14"/>
   </p:notesMasterIdLst>
   <p:sldIdLst>
     <p:sldId id="256" r:id="rId2"/>
@@ -18,9 +18,8 @@
     <p:sldId id="263" r:id="rId9"/>
     <p:sldId id="269" r:id="rId10"/>
     <p:sldId id="270" r:id="rId11"/>
-    <p:sldId id="272" r:id="rId12"/>
-    <p:sldId id="271" r:id="rId13"/>
-    <p:sldId id="267" r:id="rId14"/>
+    <p:sldId id="271" r:id="rId12"/>
+    <p:sldId id="267" r:id="rId13"/>
   </p:sldIdLst>
   <p:sldSz cx="9144000" cy="5143500" type="screen16x9"/>
   <p:notesSz cx="6858000" cy="9144000"/>
@@ -1023,7 +1022,7 @@
     </p:spTree>
     <p:extLst>
       <p:ext uri="{BB962C8B-B14F-4D97-AF65-F5344CB8AC3E}">
-        <p14:creationId xmlns:p14="http://schemas.microsoft.com/office/powerpoint/2010/main" val="3333073162"/>
+        <p14:creationId xmlns:p14="http://schemas.microsoft.com/office/powerpoint/2010/main" val="628872943"/>
       </p:ext>
     </p:extLst>
   </p:cSld>
@@ -1034,115 +1033,6 @@
 </file>
 
 <file path=ppt/notesSlides/notesSlide12.xml><?xml version="1.0" encoding="utf-8"?>
-<p:notes xmlns:a="http://schemas.openxmlformats.org/drawingml/2006/main" xmlns:r="http://schemas.openxmlformats.org/officeDocument/2006/relationships" xmlns:p="http://schemas.openxmlformats.org/presentationml/2006/main" showMasterSp="0" showMasterPhAnim="0">
-  <p:cSld>
-    <p:spTree>
-      <p:nvGrpSpPr>
-        <p:cNvPr id="1" name="Shape 132"/>
-        <p:cNvGrpSpPr/>
-        <p:nvPr/>
-      </p:nvGrpSpPr>
-      <p:grpSpPr>
-        <a:xfrm>
-          <a:off x="0" y="0"/>
-          <a:ext cx="0" cy="0"/>
-          <a:chOff x="0" y="0"/>
-          <a:chExt cx="0" cy="0"/>
-        </a:xfrm>
-      </p:grpSpPr>
-      <p:sp>
-        <p:nvSpPr>
-          <p:cNvPr id="133" name="Google Shape;133;g587fd0cd4f_0_31:notes"/>
-          <p:cNvSpPr>
-            <a:spLocks noGrp="1" noRot="1" noChangeAspect="1"/>
-          </p:cNvSpPr>
-          <p:nvPr>
-            <p:ph type="sldImg" idx="2"/>
-          </p:nvPr>
-        </p:nvSpPr>
-        <p:spPr>
-          <a:xfrm>
-            <a:off x="381000" y="685800"/>
-            <a:ext cx="6096000" cy="3429000"/>
-          </a:xfrm>
-          <a:custGeom>
-            <a:avLst/>
-            <a:gdLst/>
-            <a:ahLst/>
-            <a:cxnLst/>
-            <a:rect l="l" t="t" r="r" b="b"/>
-            <a:pathLst>
-              <a:path w="120000" h="120000" extrusionOk="0">
-                <a:moveTo>
-                  <a:pt x="0" y="0"/>
-                </a:moveTo>
-                <a:lnTo>
-                  <a:pt x="120000" y="0"/>
-                </a:lnTo>
-                <a:lnTo>
-                  <a:pt x="120000" y="120000"/>
-                </a:lnTo>
-                <a:lnTo>
-                  <a:pt x="0" y="120000"/>
-                </a:lnTo>
-                <a:close/>
-              </a:path>
-            </a:pathLst>
-          </a:custGeom>
-        </p:spPr>
-      </p:sp>
-      <p:sp>
-        <p:nvSpPr>
-          <p:cNvPr id="134" name="Google Shape;134;g587fd0cd4f_0_31:notes"/>
-          <p:cNvSpPr txBox="1">
-            <a:spLocks noGrp="1"/>
-          </p:cNvSpPr>
-          <p:nvPr>
-            <p:ph type="body" idx="1"/>
-          </p:nvPr>
-        </p:nvSpPr>
-        <p:spPr>
-          <a:xfrm>
-            <a:off x="685800" y="4343400"/>
-            <a:ext cx="5486400" cy="4114800"/>
-          </a:xfrm>
-          <a:prstGeom prst="rect">
-            <a:avLst/>
-          </a:prstGeom>
-        </p:spPr>
-        <p:txBody>
-          <a:bodyPr spcFirstLastPara="1" wrap="square" lIns="91425" tIns="91425" rIns="91425" bIns="91425" anchor="t" anchorCtr="0">
-            <a:noAutofit/>
-          </a:bodyPr>
-          <a:lstStyle/>
-          <a:p>
-            <a:pPr marL="0" lvl="0" indent="0" algn="l" rtl="0">
-              <a:spcBef>
-                <a:spcPts val="0"/>
-              </a:spcBef>
-              <a:spcAft>
-                <a:spcPts val="0"/>
-              </a:spcAft>
-              <a:buNone/>
-            </a:pPr>
-            <a:endParaRPr/>
-          </a:p>
-        </p:txBody>
-      </p:sp>
-    </p:spTree>
-    <p:extLst>
-      <p:ext uri="{BB962C8B-B14F-4D97-AF65-F5344CB8AC3E}">
-        <p14:creationId xmlns:p14="http://schemas.microsoft.com/office/powerpoint/2010/main" val="628872943"/>
-      </p:ext>
-    </p:extLst>
-  </p:cSld>
-  <p:clrMapOvr>
-    <a:masterClrMapping/>
-  </p:clrMapOvr>
-</p:notes>
-</file>
-
-<file path=ppt/notesSlides/notesSlide13.xml><?xml version="1.0" encoding="utf-8"?>
 <p:notes xmlns:a="http://schemas.openxmlformats.org/drawingml/2006/main" xmlns:r="http://schemas.openxmlformats.org/officeDocument/2006/relationships" xmlns:p="http://schemas.openxmlformats.org/presentationml/2006/main" showMasterSp="0" showMasterPhAnim="0">
   <p:cSld>
     <p:spTree>
@@ -6901,16 +6791,12 @@
               <a:buNone/>
             </a:pPr>
             <a:r>
-              <a:rPr lang="ru" sz="1800" dirty="0"/>
-              <a:t>Факу</a:t>
-            </a:r>
-            <a:r>
-              <a:rPr lang="ru-RU" sz="1800" dirty="0" err="1"/>
-              <a:t>льтет</a:t>
+              <a:rPr lang="ru-RU" sz="1800" dirty="0" smtClean="0"/>
+              <a:t>Факультет Компьютерных </a:t>
             </a:r>
             <a:r>
               <a:rPr lang="ru-RU" sz="1800" dirty="0"/>
-              <a:t> Компьютерных Наук</a:t>
+              <a:t>Наук</a:t>
             </a:r>
             <a:endParaRPr sz="1800" dirty="0"/>
           </a:p>
@@ -7114,6 +7000,13 @@
   <p:clrMapOvr>
     <a:masterClrMapping/>
   </p:clrMapOvr>
+  <p:timing>
+    <p:tnLst>
+      <p:par>
+        <p:cTn id="1" dur="indefinite" restart="never" nodeType="tmRoot"/>
+      </p:par>
+    </p:tnLst>
+  </p:timing>
 </p:sld>
 </file>
 
@@ -7352,124 +7245,17 @@
   <p:clrMapOvr>
     <a:masterClrMapping/>
   </p:clrMapOvr>
+  <p:timing>
+    <p:tnLst>
+      <p:par>
+        <p:cTn id="1" dur="indefinite" restart="never" nodeType="tmRoot"/>
+      </p:par>
+    </p:tnLst>
+  </p:timing>
 </p:sld>
 </file>
 
 <file path=ppt/slides/slide11.xml><?xml version="1.0" encoding="utf-8"?>
-<p:sld xmlns:a="http://schemas.openxmlformats.org/drawingml/2006/main" xmlns:r="http://schemas.openxmlformats.org/officeDocument/2006/relationships" xmlns:p="http://schemas.openxmlformats.org/presentationml/2006/main">
-  <p:cSld>
-    <p:spTree>
-      <p:nvGrpSpPr>
-        <p:cNvPr id="1" name="Shape 135"/>
-        <p:cNvGrpSpPr/>
-        <p:nvPr/>
-      </p:nvGrpSpPr>
-      <p:grpSpPr>
-        <a:xfrm>
-          <a:off x="0" y="0"/>
-          <a:ext cx="0" cy="0"/>
-          <a:chOff x="0" y="0"/>
-          <a:chExt cx="0" cy="0"/>
-        </a:xfrm>
-      </p:grpSpPr>
-      <p:sp>
-        <p:nvSpPr>
-          <p:cNvPr id="136" name="Google Shape;136;p21"/>
-          <p:cNvSpPr txBox="1">
-            <a:spLocks noGrp="1"/>
-          </p:cNvSpPr>
-          <p:nvPr>
-            <p:ph type="title"/>
-          </p:nvPr>
-        </p:nvSpPr>
-        <p:spPr>
-          <a:xfrm>
-            <a:off x="120313" y="-63715"/>
-            <a:ext cx="8520600" cy="572700"/>
-          </a:xfrm>
-          <a:prstGeom prst="rect">
-            <a:avLst/>
-          </a:prstGeom>
-        </p:spPr>
-        <p:txBody>
-          <a:bodyPr spcFirstLastPara="1" wrap="square" lIns="91425" tIns="91425" rIns="91425" bIns="91425" anchor="t" anchorCtr="0">
-            <a:noAutofit/>
-          </a:bodyPr>
-          <a:lstStyle/>
-          <a:p>
-            <a:pPr marL="0" lvl="0" indent="0" algn="ctr" rtl="0">
-              <a:spcBef>
-                <a:spcPts val="0"/>
-              </a:spcBef>
-              <a:spcAft>
-                <a:spcPts val="0"/>
-              </a:spcAft>
-              <a:buNone/>
-            </a:pPr>
-            <a:r>
-              <a:rPr lang="ru-RU" b="1" dirty="0"/>
-              <a:t>Реализация</a:t>
-            </a:r>
-            <a:endParaRPr b="1" dirty="0"/>
-          </a:p>
-        </p:txBody>
-      </p:sp>
-      <p:sp>
-        <p:nvSpPr>
-          <p:cNvPr id="138" name="Google Shape;138;p21"/>
-          <p:cNvSpPr txBox="1">
-            <a:spLocks noGrp="1"/>
-          </p:cNvSpPr>
-          <p:nvPr>
-            <p:ph type="sldNum" idx="12"/>
-          </p:nvPr>
-        </p:nvSpPr>
-        <p:spPr>
-          <a:xfrm>
-            <a:off x="8472458" y="4663217"/>
-            <a:ext cx="548700" cy="393600"/>
-          </a:xfrm>
-          <a:prstGeom prst="rect">
-            <a:avLst/>
-          </a:prstGeom>
-        </p:spPr>
-        <p:txBody>
-          <a:bodyPr spcFirstLastPara="1" wrap="square" lIns="91425" tIns="91425" rIns="91425" bIns="91425" anchor="ctr" anchorCtr="0">
-            <a:noAutofit/>
-          </a:bodyPr>
-          <a:lstStyle/>
-          <a:p>
-            <a:pPr marL="0" lvl="0" indent="0" algn="r" rtl="0">
-              <a:spcBef>
-                <a:spcPts val="0"/>
-              </a:spcBef>
-              <a:spcAft>
-                <a:spcPts val="0"/>
-              </a:spcAft>
-              <a:buNone/>
-            </a:pPr>
-            <a:fld id="{00000000-1234-1234-1234-123412341234}" type="slidenum">
-              <a:rPr lang="ru" sz="1800" b="1"/>
-              <a:t>11</a:t>
-            </a:fld>
-            <a:endParaRPr sz="1800" b="1"/>
-          </a:p>
-        </p:txBody>
-      </p:sp>
-    </p:spTree>
-    <p:extLst>
-      <p:ext uri="{BB962C8B-B14F-4D97-AF65-F5344CB8AC3E}">
-        <p14:creationId xmlns:p14="http://schemas.microsoft.com/office/powerpoint/2010/main" val="2549594894"/>
-      </p:ext>
-    </p:extLst>
-  </p:cSld>
-  <p:clrMapOvr>
-    <a:masterClrMapping/>
-  </p:clrMapOvr>
-</p:sld>
-</file>
-
-<file path=ppt/slides/slide12.xml><?xml version="1.0" encoding="utf-8"?>
 <p:sld xmlns:a="http://schemas.openxmlformats.org/drawingml/2006/main" xmlns:r="http://schemas.openxmlformats.org/officeDocument/2006/relationships" xmlns:p="http://schemas.openxmlformats.org/presentationml/2006/main">
   <p:cSld>
     <p:spTree>
@@ -7564,7 +7350,7 @@
             </a:pPr>
             <a:fld id="{00000000-1234-1234-1234-123412341234}" type="slidenum">
               <a:rPr lang="ru" sz="1800" b="1"/>
-              <a:t>12</a:t>
+              <a:t>11</a:t>
             </a:fld>
             <a:endParaRPr sz="1800" b="1"/>
           </a:p>
@@ -7610,10 +7396,17 @@
   <p:clrMapOvr>
     <a:masterClrMapping/>
   </p:clrMapOvr>
+  <p:timing>
+    <p:tnLst>
+      <p:par>
+        <p:cTn id="1" dur="indefinite" restart="never" nodeType="tmRoot"/>
+      </p:par>
+    </p:tnLst>
+  </p:timing>
 </p:sld>
 </file>
 
-<file path=ppt/slides/slide13.xml><?xml version="1.0" encoding="utf-8"?>
+<file path=ppt/slides/slide12.xml><?xml version="1.0" encoding="utf-8"?>
 <p:sld xmlns:a="http://schemas.openxmlformats.org/drawingml/2006/main" xmlns:r="http://schemas.openxmlformats.org/officeDocument/2006/relationships" xmlns:p="http://schemas.openxmlformats.org/presentationml/2006/main">
   <p:cSld>
     <p:spTree>
@@ -7883,7 +7676,7 @@
             </a:pPr>
             <a:fld id="{00000000-1234-1234-1234-123412341234}" type="slidenum">
               <a:rPr lang="ru" sz="1800" b="1"/>
-              <a:t>13</a:t>
+              <a:t>12</a:t>
             </a:fld>
             <a:endParaRPr sz="1800" b="1"/>
           </a:p>
@@ -7894,6 +7687,13 @@
   <p:clrMapOvr>
     <a:masterClrMapping/>
   </p:clrMapOvr>
+  <p:timing>
+    <p:tnLst>
+      <p:par>
+        <p:cTn id="1" dur="indefinite" restart="never" nodeType="tmRoot"/>
+      </p:par>
+    </p:tnLst>
+  </p:timing>
 </p:sld>
 </file>
 
@@ -8070,7 +7870,152 @@
               <a:buFont typeface="Wingdings" panose="05000000000000000000" pitchFamily="2" charset="2"/>
               <a:buChar char="q"/>
             </a:pPr>
-            <a:endParaRPr sz="1400" dirty="0">
+            <a:r>
+              <a:rPr lang="ru-RU" sz="1400" dirty="0" smtClean="0">
+                <a:solidFill>
+                  <a:schemeClr val="tx1">
+                    <a:lumMod val="95000"/>
+                    <a:lumOff val="5000"/>
+                  </a:schemeClr>
+                </a:solidFill>
+              </a:rPr>
+              <a:t>Реализация графического интерфейса </a:t>
+            </a:r>
+            <a:r>
+              <a:rPr lang="ru-RU" sz="1400" dirty="0" smtClean="0">
+                <a:solidFill>
+                  <a:schemeClr val="tx1">
+                    <a:lumMod val="95000"/>
+                    <a:lumOff val="5000"/>
+                  </a:schemeClr>
+                </a:solidFill>
+              </a:rPr>
+              <a:t>приложения</a:t>
+            </a:r>
+            <a:endParaRPr lang="en-US" sz="1400" dirty="0">
+              <a:solidFill>
+                <a:schemeClr val="tx1">
+                  <a:lumMod val="95000"/>
+                  <a:lumOff val="5000"/>
+                </a:schemeClr>
+              </a:solidFill>
+            </a:endParaRPr>
+          </a:p>
+          <a:p>
+            <a:pPr>
+              <a:buClr>
+                <a:srgbClr val="000000"/>
+              </a:buClr>
+              <a:buFont typeface="Wingdings" panose="05000000000000000000" pitchFamily="2" charset="2"/>
+              <a:buChar char="q"/>
+            </a:pPr>
+            <a:r>
+              <a:rPr lang="en-US" sz="1400" dirty="0" err="1" smtClean="0">
+                <a:solidFill>
+                  <a:schemeClr val="tx1">
+                    <a:lumMod val="95000"/>
+                    <a:lumOff val="5000"/>
+                  </a:schemeClr>
+                </a:solidFill>
+              </a:rPr>
+              <a:t>ActivityDiagramg</a:t>
+            </a:r>
+            <a:r>
+              <a:rPr lang="en-US" sz="1400" dirty="0">
+                <a:solidFill>
+                  <a:schemeClr val="tx1">
+                    <a:lumMod val="95000"/>
+                    <a:lumOff val="5000"/>
+                  </a:schemeClr>
+                </a:solidFill>
+              </a:rPr>
+              <a:t>	</a:t>
+            </a:r>
+            <a:endParaRPr lang="en-US" sz="1400" dirty="0" smtClean="0">
+              <a:solidFill>
+                <a:schemeClr val="tx1">
+                  <a:lumMod val="95000"/>
+                  <a:lumOff val="5000"/>
+                </a:schemeClr>
+              </a:solidFill>
+            </a:endParaRPr>
+          </a:p>
+          <a:p>
+            <a:pPr>
+              <a:buClr>
+                <a:srgbClr val="000000"/>
+              </a:buClr>
+              <a:buFont typeface="Wingdings" panose="05000000000000000000" pitchFamily="2" charset="2"/>
+              <a:buChar char="q"/>
+            </a:pPr>
+            <a:r>
+              <a:rPr lang="en-US" sz="1400" dirty="0" err="1" smtClean="0">
+                <a:solidFill>
+                  <a:schemeClr val="tx1">
+                    <a:lumMod val="95000"/>
+                    <a:lumOff val="5000"/>
+                  </a:schemeClr>
+                </a:solidFill>
+              </a:rPr>
+              <a:t>ObjectDiagram</a:t>
+            </a:r>
+            <a:endParaRPr lang="en-US" sz="1400" dirty="0" smtClean="0">
+              <a:solidFill>
+                <a:schemeClr val="tx1">
+                  <a:lumMod val="95000"/>
+                  <a:lumOff val="5000"/>
+                </a:schemeClr>
+              </a:solidFill>
+            </a:endParaRPr>
+          </a:p>
+          <a:p>
+            <a:pPr>
+              <a:buClr>
+                <a:srgbClr val="000000"/>
+              </a:buClr>
+              <a:buFont typeface="Wingdings" panose="05000000000000000000" pitchFamily="2" charset="2"/>
+              <a:buChar char="q"/>
+            </a:pPr>
+            <a:r>
+              <a:rPr lang="en-US" sz="1400" dirty="0" err="1" smtClean="0">
+                <a:solidFill>
+                  <a:schemeClr val="tx1">
+                    <a:lumMod val="95000"/>
+                    <a:lumOff val="5000"/>
+                  </a:schemeClr>
+                </a:solidFill>
+              </a:rPr>
+              <a:t>SequenceDiagram</a:t>
+            </a:r>
+            <a:endParaRPr lang="en-US" sz="1400" dirty="0" smtClean="0">
+              <a:solidFill>
+                <a:schemeClr val="tx1">
+                  <a:lumMod val="95000"/>
+                  <a:lumOff val="5000"/>
+                </a:schemeClr>
+              </a:solidFill>
+            </a:endParaRPr>
+          </a:p>
+          <a:p>
+            <a:pPr>
+              <a:buClr>
+                <a:srgbClr val="000000"/>
+              </a:buClr>
+              <a:buFont typeface="Wingdings" panose="05000000000000000000" pitchFamily="2" charset="2"/>
+              <a:buChar char="q"/>
+            </a:pPr>
+            <a:r>
+              <a:rPr lang="en-US" sz="1400" dirty="0" err="1" smtClean="0">
+                <a:solidFill>
+                  <a:schemeClr val="tx1">
+                    <a:lumMod val="95000"/>
+                    <a:lumOff val="5000"/>
+                  </a:schemeClr>
+                </a:solidFill>
+              </a:rPr>
+              <a:t>StateDiagram</a:t>
+            </a:r>
+            <a:endParaRPr lang="en-US" sz="1400" dirty="0">
               <a:solidFill>
                 <a:schemeClr val="tx1">
                   <a:lumMod val="95000"/>
@@ -8479,7 +8424,29 @@
               <a:buFont typeface="Wingdings" panose="05000000000000000000" pitchFamily="2" charset="2"/>
               <a:buChar char="q"/>
             </a:pPr>
-            <a:endParaRPr lang="ru-RU" sz="1400" dirty="0">
+            <a:r>
+              <a:rPr lang="ru-RU" sz="1400" dirty="0" smtClean="0">
+                <a:solidFill>
+                  <a:schemeClr val="tx1">
+                    <a:lumMod val="95000"/>
+                    <a:lumOff val="5000"/>
+                  </a:schemeClr>
+                </a:solidFill>
+              </a:rPr>
+              <a:t>Реализация базы данных и интерфейса взаимодействия с базой </a:t>
+            </a:r>
+            <a:r>
+              <a:rPr lang="ru-RU" sz="1400" dirty="0" smtClean="0">
+                <a:solidFill>
+                  <a:schemeClr val="tx1">
+                    <a:lumMod val="95000"/>
+                    <a:lumOff val="5000"/>
+                  </a:schemeClr>
+                </a:solidFill>
+              </a:rPr>
+              <a:t>данных</a:t>
+            </a:r>
+            <a:endParaRPr lang="en-US" sz="1400" dirty="0" smtClean="0">
               <a:solidFill>
                 <a:schemeClr val="tx1">
                   <a:lumMod val="95000"/>
@@ -8488,6 +8455,118 @@
               </a:solidFill>
             </a:endParaRPr>
           </a:p>
+          <a:p>
+            <a:pPr>
+              <a:buClr>
+                <a:srgbClr val="000000"/>
+              </a:buClr>
+              <a:buFont typeface="Wingdings" panose="05000000000000000000" pitchFamily="2" charset="2"/>
+              <a:buChar char="q"/>
+            </a:pPr>
+            <a:r>
+              <a:rPr lang="en-US" sz="1400" dirty="0" err="1" smtClean="0">
+                <a:solidFill>
+                  <a:schemeClr val="tx1">
+                    <a:lumMod val="95000"/>
+                    <a:lumOff val="5000"/>
+                  </a:schemeClr>
+                </a:solidFill>
+              </a:rPr>
+              <a:t>ClassDiagram</a:t>
+            </a:r>
+            <a:endParaRPr lang="en-US" sz="1400" dirty="0" smtClean="0">
+              <a:solidFill>
+                <a:schemeClr val="tx1">
+                  <a:lumMod val="95000"/>
+                  <a:lumOff val="5000"/>
+                </a:schemeClr>
+              </a:solidFill>
+            </a:endParaRPr>
+          </a:p>
+          <a:p>
+            <a:pPr>
+              <a:buClr>
+                <a:srgbClr val="000000"/>
+              </a:buClr>
+              <a:buFont typeface="Wingdings" panose="05000000000000000000" pitchFamily="2" charset="2"/>
+              <a:buChar char="q"/>
+            </a:pPr>
+            <a:r>
+              <a:rPr lang="en-US" sz="1400" dirty="0" err="1" smtClean="0">
+                <a:solidFill>
+                  <a:schemeClr val="tx1">
+                    <a:lumMod val="95000"/>
+                    <a:lumOff val="5000"/>
+                  </a:schemeClr>
+                </a:solidFill>
+              </a:rPr>
+              <a:t>CommunicationDiagra</a:t>
+            </a:r>
+            <a:endParaRPr lang="en-US" sz="1400" dirty="0" smtClean="0">
+              <a:solidFill>
+                <a:schemeClr val="tx1">
+                  <a:lumMod val="95000"/>
+                  <a:lumOff val="5000"/>
+                </a:schemeClr>
+              </a:solidFill>
+            </a:endParaRPr>
+          </a:p>
+          <a:p>
+            <a:pPr>
+              <a:buClr>
+                <a:srgbClr val="000000"/>
+              </a:buClr>
+              <a:buFont typeface="Wingdings" panose="05000000000000000000" pitchFamily="2" charset="2"/>
+              <a:buChar char="q"/>
+            </a:pPr>
+            <a:r>
+              <a:rPr lang="en-US" sz="1400" dirty="0" err="1" smtClean="0">
+                <a:solidFill>
+                  <a:schemeClr val="tx1">
+                    <a:lumMod val="95000"/>
+                    <a:lumOff val="5000"/>
+                  </a:schemeClr>
+                </a:solidFill>
+              </a:rPr>
+              <a:t>DeploymentDiagram</a:t>
+            </a:r>
+            <a:endParaRPr lang="en-US" sz="1400" dirty="0" smtClean="0">
+              <a:solidFill>
+                <a:schemeClr val="tx1">
+                  <a:lumMod val="95000"/>
+                  <a:lumOff val="5000"/>
+                </a:schemeClr>
+              </a:solidFill>
+            </a:endParaRPr>
+          </a:p>
+          <a:p>
+            <a:pPr>
+              <a:buClr>
+                <a:srgbClr val="000000"/>
+              </a:buClr>
+              <a:buFont typeface="Wingdings" panose="05000000000000000000" pitchFamily="2" charset="2"/>
+              <a:buChar char="q"/>
+            </a:pPr>
+            <a:r>
+              <a:rPr lang="en-US" sz="1400" dirty="0" err="1" smtClean="0">
+                <a:solidFill>
+                  <a:schemeClr val="tx1">
+                    <a:lumMod val="95000"/>
+                    <a:lumOff val="5000"/>
+                  </a:schemeClr>
+                </a:solidFill>
+              </a:rPr>
+              <a:t>UseCase</a:t>
+            </a:r>
+            <a:endParaRPr lang="en-US" sz="1400" dirty="0">
+              <a:solidFill>
+                <a:schemeClr val="tx1">
+                  <a:lumMod val="95000"/>
+                  <a:lumOff val="5000"/>
+                </a:schemeClr>
+              </a:solidFill>
+            </a:endParaRPr>
+          </a:p>
         </p:txBody>
       </p:sp>
     </p:spTree>
@@ -8495,6 +8574,13 @@
   <p:clrMapOvr>
     <a:masterClrMapping/>
   </p:clrMapOvr>
+  <p:timing>
+    <p:tnLst>
+      <p:par>
+        <p:cTn id="1" dur="indefinite" restart="never" nodeType="tmRoot"/>
+      </p:par>
+    </p:tnLst>
+  </p:timing>
 </p:sld>
 </file>
 
@@ -8614,7 +8700,7 @@
         <p:spPr>
           <a:xfrm>
             <a:off x="159815" y="1012843"/>
-            <a:ext cx="8360492" cy="523220"/>
+            <a:ext cx="8360492" cy="1323439"/>
           </a:xfrm>
           <a:prstGeom prst="rect">
             <a:avLst/>
@@ -8630,10 +8716,26 @@
               <a:buNone/>
             </a:pPr>
             <a:r>
-              <a:rPr lang="ru-RU" dirty="0" smtClean="0"/>
-              <a:t>На сегодняшний день есть программы для обмена сообщениями через интернет имеют большую популярность.  </a:t>
+              <a:rPr lang="ru-RU" sz="2000" dirty="0" smtClean="0"/>
+              <a:t>На сегодняшний день есть программы для обмена сообщениями через интернет имеют большую популярность. Они позволяют бесплатно обмениваться сообщениями между пользователями. </a:t>
             </a:r>
-            <a:endParaRPr lang="ru-RU" dirty="0"/>
+            <a:r>
+              <a:rPr lang="ru-RU" sz="2000" dirty="0" smtClean="0"/>
+              <a:t>Большинство </a:t>
+            </a:r>
+            <a:r>
+              <a:rPr lang="ru-RU" sz="2000" dirty="0" smtClean="0"/>
+              <a:t>из </a:t>
+            </a:r>
+            <a:r>
+              <a:rPr lang="ru-RU" sz="2000" dirty="0" smtClean="0"/>
+              <a:t>ни</a:t>
+            </a:r>
+            <a:r>
+              <a:rPr lang="ru-RU" sz="2000" dirty="0" smtClean="0"/>
+              <a:t>х поддерживают шифрование.</a:t>
+            </a:r>
+            <a:endParaRPr lang="ru-RU" sz="2000" dirty="0"/>
           </a:p>
         </p:txBody>
       </p:sp>
@@ -8642,6 +8744,13 @@
   <p:clrMapOvr>
     <a:masterClrMapping/>
   </p:clrMapOvr>
+  <p:timing>
+    <p:tnLst>
+      <p:par>
+        <p:cTn id="1" dur="indefinite" restart="never" nodeType="tmRoot"/>
+      </p:par>
+    </p:tnLst>
+  </p:timing>
 </p:sld>
 </file>
 
@@ -9149,6 +9258,13 @@
   <p:clrMapOvr>
     <a:masterClrMapping/>
   </p:clrMapOvr>
+  <p:timing>
+    <p:tnLst>
+      <p:par>
+        <p:cTn id="1" dur="indefinite" restart="never" nodeType="tmRoot"/>
+      </p:par>
+    </p:tnLst>
+  </p:timing>
 </p:sld>
 </file>
 
@@ -9434,6 +9550,13 @@
   <p:clrMapOvr>
     <a:masterClrMapping/>
   </p:clrMapOvr>
+  <p:timing>
+    <p:tnLst>
+      <p:par>
+        <p:cTn id="1" dur="indefinite" restart="never" nodeType="tmRoot"/>
+      </p:par>
+    </p:tnLst>
+  </p:timing>
 </p:sld>
 </file>
 
@@ -9540,41 +9663,26 @@
       </p:sp>
       <p:pic>
         <p:nvPicPr>
-          <p:cNvPr id="10" name="Рисунок 9">
-            <a:extLst>
-              <a:ext uri="{FF2B5EF4-FFF2-40B4-BE49-F238E27FC236}">
-                <a16:creationId xmlns:a16="http://schemas.microsoft.com/office/drawing/2014/main" id="{6C77E2F3-245D-4F93-AD22-1C1C6559471F}"/>
-              </a:ext>
-            </a:extLst>
-          </p:cNvPr>
-          <p:cNvPicPr/>
+          <p:cNvPr id="3" name="Рисунок 2"/>
+          <p:cNvPicPr>
+            <a:picLocks noChangeAspect="1"/>
+          </p:cNvPicPr>
           <p:nvPr/>
         </p:nvPicPr>
         <p:blipFill>
-          <a:blip r:embed="rId3">
-            <a:extLst>
-              <a:ext uri="{28A0092B-C50C-407E-A947-70E740481C1C}">
-                <a14:useLocalDpi xmlns:a14="http://schemas.microsoft.com/office/drawing/2010/main" val="0"/>
-              </a:ext>
-            </a:extLst>
-          </a:blip>
-          <a:srcRect/>
+          <a:blip r:embed="rId3"/>
           <a:stretch>
             <a:fillRect/>
           </a:stretch>
         </p:blipFill>
-        <p:spPr bwMode="auto">
+        <p:spPr>
           <a:xfrm>
-            <a:off x="673211" y="723900"/>
-            <a:ext cx="7693549" cy="3784306"/>
+            <a:off x="738187" y="785812"/>
+            <a:ext cx="7667625" cy="3571875"/>
           </a:xfrm>
           <a:prstGeom prst="rect">
             <a:avLst/>
           </a:prstGeom>
-          <a:noFill/>
-          <a:ln>
-            <a:noFill/>
-          </a:ln>
         </p:spPr>
       </p:pic>
     </p:spTree>
@@ -9582,6 +9690,13 @@
   <p:clrMapOvr>
     <a:masterClrMapping/>
   </p:clrMapOvr>
+  <p:timing>
+    <p:tnLst>
+      <p:par>
+        <p:cTn id="1" dur="indefinite" restart="never" nodeType="tmRoot"/>
+      </p:par>
+    </p:tnLst>
+  </p:timing>
 </p:sld>
 </file>
 
@@ -10043,6 +10158,13 @@
   <p:clrMapOvr>
     <a:masterClrMapping/>
   </p:clrMapOvr>
+  <p:timing>
+    <p:tnLst>
+      <p:par>
+        <p:cTn id="1" dur="indefinite" restart="never" nodeType="tmRoot"/>
+      </p:par>
+    </p:tnLst>
+  </p:timing>
 </p:sld>
 </file>
 
@@ -10365,6 +10487,13 @@
   <p:clrMapOvr>
     <a:masterClrMapping/>
   </p:clrMapOvr>
+  <p:timing>
+    <p:tnLst>
+      <p:par>
+        <p:cTn id="1" dur="indefinite" restart="never" nodeType="tmRoot"/>
+      </p:par>
+    </p:tnLst>
+  </p:timing>
 </p:sld>
 </file>
 
@@ -10927,6 +11056,13 @@
   <p:clrMapOvr>
     <a:masterClrMapping/>
   </p:clrMapOvr>
+  <p:timing>
+    <p:tnLst>
+      <p:par>
+        <p:cTn id="1" dur="indefinite" restart="never" nodeType="tmRoot"/>
+      </p:par>
+    </p:tnLst>
+  </p:timing>
 </p:sld>
 </file>
 
